--- a/topic02/talk-1/html5.pptx
+++ b/topic02/talk-1/html5.pptx
@@ -189,10 +189,6 @@
 </p:presentation>
 </file>
 
-<file path=ppt/revisionInfo.xml><?xml version="1.0" encoding="utf-8"?>
-<p1510:revInfo xmlns:a="http://schemas.openxmlformats.org/drawingml/2006/main" xmlns:r="http://schemas.openxmlformats.org/officeDocument/2006/relationships" xmlns:p1510="http://schemas.microsoft.com/office/powerpoint/2015/10/main"/>
-</file>
-
 <file path=ppt/notesMasters/notesMaster1.xml><?xml version="1.0" encoding="utf-8"?>
 <p:notesMaster xmlns:a="http://schemas.openxmlformats.org/drawingml/2006/main" xmlns:r="http://schemas.openxmlformats.org/officeDocument/2006/relationships" xmlns:p="http://schemas.openxmlformats.org/presentationml/2006/main">
   <p:cSld>
@@ -275,7 +271,7 @@
           <a:p>
             <a:fld id="{0084C588-33DA-4F5E-B73F-D8B50944C99E}" type="datetimeFigureOut">
               <a:rPr lang="en-IE" smtClean="0"/>
-              <a:t>30/01/2018</a:t>
+              <a:t>20/01/2020</a:t>
             </a:fld>
             <a:endParaRPr lang="en-IE"/>
           </a:p>
@@ -825,7 +821,7 @@
           <a:p>
             <a:fld id="{38B9F67C-B923-49CB-88B8-B22AAF0284AC}" type="datetimeFigureOut">
               <a:rPr lang="en-US" smtClean="0"/>
-              <a:t>1/30/2018</a:t>
+              <a:t>1/20/2020</a:t>
             </a:fld>
             <a:endParaRPr lang="en-US"/>
           </a:p>
@@ -993,7 +989,7 @@
           <a:p>
             <a:fld id="{38B9F67C-B923-49CB-88B8-B22AAF0284AC}" type="datetimeFigureOut">
               <a:rPr lang="en-US" smtClean="0"/>
-              <a:t>1/30/2018</a:t>
+              <a:t>1/20/2020</a:t>
             </a:fld>
             <a:endParaRPr lang="en-US"/>
           </a:p>
@@ -1171,7 +1167,7 @@
           <a:p>
             <a:fld id="{38B9F67C-B923-49CB-88B8-B22AAF0284AC}" type="datetimeFigureOut">
               <a:rPr lang="en-US" smtClean="0"/>
-              <a:t>1/30/2018</a:t>
+              <a:t>1/20/2020</a:t>
             </a:fld>
             <a:endParaRPr lang="en-US"/>
           </a:p>
@@ -1339,7 +1335,7 @@
           <a:p>
             <a:fld id="{38B9F67C-B923-49CB-88B8-B22AAF0284AC}" type="datetimeFigureOut">
               <a:rPr lang="en-US" smtClean="0"/>
-              <a:t>1/30/2018</a:t>
+              <a:t>1/20/2020</a:t>
             </a:fld>
             <a:endParaRPr lang="en-US"/>
           </a:p>
@@ -1584,7 +1580,7 @@
           <a:p>
             <a:fld id="{38B9F67C-B923-49CB-88B8-B22AAF0284AC}" type="datetimeFigureOut">
               <a:rPr lang="en-US" smtClean="0"/>
-              <a:t>1/30/2018</a:t>
+              <a:t>1/20/2020</a:t>
             </a:fld>
             <a:endParaRPr lang="en-US"/>
           </a:p>
@@ -1869,7 +1865,7 @@
           <a:p>
             <a:fld id="{38B9F67C-B923-49CB-88B8-B22AAF0284AC}" type="datetimeFigureOut">
               <a:rPr lang="en-US" smtClean="0"/>
-              <a:t>1/30/2018</a:t>
+              <a:t>1/20/2020</a:t>
             </a:fld>
             <a:endParaRPr lang="en-US"/>
           </a:p>
@@ -2288,7 +2284,7 @@
           <a:p>
             <a:fld id="{38B9F67C-B923-49CB-88B8-B22AAF0284AC}" type="datetimeFigureOut">
               <a:rPr lang="en-US" smtClean="0"/>
-              <a:t>1/30/2018</a:t>
+              <a:t>1/20/2020</a:t>
             </a:fld>
             <a:endParaRPr lang="en-US"/>
           </a:p>
@@ -2405,7 +2401,7 @@
           <a:p>
             <a:fld id="{38B9F67C-B923-49CB-88B8-B22AAF0284AC}" type="datetimeFigureOut">
               <a:rPr lang="en-US" smtClean="0"/>
-              <a:t>1/30/2018</a:t>
+              <a:t>1/20/2020</a:t>
             </a:fld>
             <a:endParaRPr lang="en-US"/>
           </a:p>
@@ -2500,7 +2496,7 @@
           <a:p>
             <a:fld id="{38B9F67C-B923-49CB-88B8-B22AAF0284AC}" type="datetimeFigureOut">
               <a:rPr lang="en-US" smtClean="0"/>
-              <a:t>1/30/2018</a:t>
+              <a:t>1/20/2020</a:t>
             </a:fld>
             <a:endParaRPr lang="en-US"/>
           </a:p>
@@ -2775,7 +2771,7 @@
           <a:p>
             <a:fld id="{38B9F67C-B923-49CB-88B8-B22AAF0284AC}" type="datetimeFigureOut">
               <a:rPr lang="en-US" smtClean="0"/>
-              <a:t>1/30/2018</a:t>
+              <a:t>1/20/2020</a:t>
             </a:fld>
             <a:endParaRPr lang="en-US"/>
           </a:p>
@@ -3027,7 +3023,7 @@
           <a:p>
             <a:fld id="{38B9F67C-B923-49CB-88B8-B22AAF0284AC}" type="datetimeFigureOut">
               <a:rPr lang="en-US" smtClean="0"/>
-              <a:t>1/30/2018</a:t>
+              <a:t>1/20/2020</a:t>
             </a:fld>
             <a:endParaRPr lang="en-US"/>
           </a:p>
@@ -3238,7 +3234,7 @@
           <a:p>
             <a:fld id="{38B9F67C-B923-49CB-88B8-B22AAF0284AC}" type="datetimeFigureOut">
               <a:rPr lang="en-US" smtClean="0"/>
-              <a:t>1/30/2018</a:t>
+              <a:t>1/20/2020</a:t>
             </a:fld>
             <a:endParaRPr lang="en-US"/>
           </a:p>
@@ -3630,7 +3626,7 @@
           <a:p>
             <a:r>
               <a:rPr lang="en-IE" dirty="0"/>
-              <a:t>HTML 5</a:t>
+              <a:t>HTML</a:t>
             </a:r>
             <a:endParaRPr lang="en-US" dirty="0"/>
           </a:p>
@@ -4875,7 +4871,7 @@
           <a:p>
             <a:r>
               <a:rPr lang="en-IE" dirty="0"/>
-              <a:t>HTML5</a:t>
+              <a:t>HTML</a:t>
             </a:r>
           </a:p>
           <a:p>
@@ -6673,7 +6669,7 @@
           <a:p>
             <a:r>
               <a:rPr lang="en-IE" dirty="0"/>
-              <a:t>HTML5 </a:t>
+              <a:t>HTML </a:t>
             </a:r>
             <a:endParaRPr lang="en-US" dirty="0"/>
           </a:p>
@@ -8948,7 +8944,7 @@
           <a:p>
             <a:r>
               <a:rPr lang="en-IE" dirty="0"/>
-              <a:t>How HTML5 Works 1</a:t>
+              <a:t>How HTML Works 1</a:t>
             </a:r>
             <a:endParaRPr lang="en-US" dirty="0"/>
           </a:p>
@@ -10727,7 +10723,7 @@
           <a:p>
             <a:r>
               <a:rPr lang="en-IE" dirty="0"/>
-              <a:t>How HTML5 Works 2</a:t>
+              <a:t>How HTML Works 2</a:t>
             </a:r>
             <a:endParaRPr lang="en-US" dirty="0"/>
           </a:p>
@@ -12926,7 +12922,7 @@
             <a:pPr algn="ctr"/>
             <a:r>
               <a:rPr lang="en-US" dirty="0"/>
-              <a:t>The width=device-width part sets the width of the page to follow the screen-width of the device (which will vary depending on the device).</a:t>
+              <a:t>The width=device-width sets the width of the page to follow the screen-width of the device (which will vary depending on the device).</a:t>
             </a:r>
           </a:p>
         </p:txBody>

--- a/topic02/talk-1/html5.pptx
+++ b/topic02/talk-1/html5.pptx
@@ -5,7 +5,7 @@
     <p:sldMasterId id="2147483648" r:id="rId1"/>
   </p:sldMasterIdLst>
   <p:notesMasterIdLst>
-    <p:notesMasterId r:id="rId66"/>
+    <p:notesMasterId r:id="rId64"/>
   </p:notesMasterIdLst>
   <p:sldIdLst>
     <p:sldId id="256" r:id="rId2"/>
@@ -60,18 +60,16 @@
     <p:sldId id="312" r:id="rId51"/>
     <p:sldId id="324" r:id="rId52"/>
     <p:sldId id="313" r:id="rId53"/>
-    <p:sldId id="325" r:id="rId54"/>
-    <p:sldId id="314" r:id="rId55"/>
-    <p:sldId id="316" r:id="rId56"/>
-    <p:sldId id="315" r:id="rId57"/>
-    <p:sldId id="317" r:id="rId58"/>
-    <p:sldId id="319" r:id="rId59"/>
-    <p:sldId id="320" r:id="rId60"/>
-    <p:sldId id="328" r:id="rId61"/>
-    <p:sldId id="327" r:id="rId62"/>
-    <p:sldId id="331" r:id="rId63"/>
-    <p:sldId id="332" r:id="rId64"/>
-    <p:sldId id="318" r:id="rId65"/>
+    <p:sldId id="314" r:id="rId54"/>
+    <p:sldId id="316" r:id="rId55"/>
+    <p:sldId id="317" r:id="rId56"/>
+    <p:sldId id="319" r:id="rId57"/>
+    <p:sldId id="320" r:id="rId58"/>
+    <p:sldId id="328" r:id="rId59"/>
+    <p:sldId id="327" r:id="rId60"/>
+    <p:sldId id="331" r:id="rId61"/>
+    <p:sldId id="332" r:id="rId62"/>
+    <p:sldId id="318" r:id="rId63"/>
   </p:sldIdLst>
   <p:sldSz cx="9144000" cy="6858000" type="screen4x3"/>
   <p:notesSz cx="6858000" cy="9144000"/>
@@ -271,7 +269,7 @@
           <a:p>
             <a:fld id="{0084C588-33DA-4F5E-B73F-D8B50944C99E}" type="datetimeFigureOut">
               <a:rPr lang="en-IE" smtClean="0"/>
-              <a:t>20/01/2020</a:t>
+              <a:t>01/02/2021</a:t>
             </a:fld>
             <a:endParaRPr lang="en-IE"/>
           </a:p>
@@ -821,7 +819,7 @@
           <a:p>
             <a:fld id="{38B9F67C-B923-49CB-88B8-B22AAF0284AC}" type="datetimeFigureOut">
               <a:rPr lang="en-US" smtClean="0"/>
-              <a:t>1/20/2020</a:t>
+              <a:t>2/1/2021</a:t>
             </a:fld>
             <a:endParaRPr lang="en-US"/>
           </a:p>
@@ -989,7 +987,7 @@
           <a:p>
             <a:fld id="{38B9F67C-B923-49CB-88B8-B22AAF0284AC}" type="datetimeFigureOut">
               <a:rPr lang="en-US" smtClean="0"/>
-              <a:t>1/20/2020</a:t>
+              <a:t>2/1/2021</a:t>
             </a:fld>
             <a:endParaRPr lang="en-US"/>
           </a:p>
@@ -1167,7 +1165,7 @@
           <a:p>
             <a:fld id="{38B9F67C-B923-49CB-88B8-B22AAF0284AC}" type="datetimeFigureOut">
               <a:rPr lang="en-US" smtClean="0"/>
-              <a:t>1/20/2020</a:t>
+              <a:t>2/1/2021</a:t>
             </a:fld>
             <a:endParaRPr lang="en-US"/>
           </a:p>
@@ -1335,7 +1333,7 @@
           <a:p>
             <a:fld id="{38B9F67C-B923-49CB-88B8-B22AAF0284AC}" type="datetimeFigureOut">
               <a:rPr lang="en-US" smtClean="0"/>
-              <a:t>1/20/2020</a:t>
+              <a:t>2/1/2021</a:t>
             </a:fld>
             <a:endParaRPr lang="en-US"/>
           </a:p>
@@ -1580,7 +1578,7 @@
           <a:p>
             <a:fld id="{38B9F67C-B923-49CB-88B8-B22AAF0284AC}" type="datetimeFigureOut">
               <a:rPr lang="en-US" smtClean="0"/>
-              <a:t>1/20/2020</a:t>
+              <a:t>2/1/2021</a:t>
             </a:fld>
             <a:endParaRPr lang="en-US"/>
           </a:p>
@@ -1865,7 +1863,7 @@
           <a:p>
             <a:fld id="{38B9F67C-B923-49CB-88B8-B22AAF0284AC}" type="datetimeFigureOut">
               <a:rPr lang="en-US" smtClean="0"/>
-              <a:t>1/20/2020</a:t>
+              <a:t>2/1/2021</a:t>
             </a:fld>
             <a:endParaRPr lang="en-US"/>
           </a:p>
@@ -2284,7 +2282,7 @@
           <a:p>
             <a:fld id="{38B9F67C-B923-49CB-88B8-B22AAF0284AC}" type="datetimeFigureOut">
               <a:rPr lang="en-US" smtClean="0"/>
-              <a:t>1/20/2020</a:t>
+              <a:t>2/1/2021</a:t>
             </a:fld>
             <a:endParaRPr lang="en-US"/>
           </a:p>
@@ -2401,7 +2399,7 @@
           <a:p>
             <a:fld id="{38B9F67C-B923-49CB-88B8-B22AAF0284AC}" type="datetimeFigureOut">
               <a:rPr lang="en-US" smtClean="0"/>
-              <a:t>1/20/2020</a:t>
+              <a:t>2/1/2021</a:t>
             </a:fld>
             <a:endParaRPr lang="en-US"/>
           </a:p>
@@ -2496,7 +2494,7 @@
           <a:p>
             <a:fld id="{38B9F67C-B923-49CB-88B8-B22AAF0284AC}" type="datetimeFigureOut">
               <a:rPr lang="en-US" smtClean="0"/>
-              <a:t>1/20/2020</a:t>
+              <a:t>2/1/2021</a:t>
             </a:fld>
             <a:endParaRPr lang="en-US"/>
           </a:p>
@@ -2771,7 +2769,7 @@
           <a:p>
             <a:fld id="{38B9F67C-B923-49CB-88B8-B22AAF0284AC}" type="datetimeFigureOut">
               <a:rPr lang="en-US" smtClean="0"/>
-              <a:t>1/20/2020</a:t>
+              <a:t>2/1/2021</a:t>
             </a:fld>
             <a:endParaRPr lang="en-US"/>
           </a:p>
@@ -3023,7 +3021,7 @@
           <a:p>
             <a:fld id="{38B9F67C-B923-49CB-88B8-B22AAF0284AC}" type="datetimeFigureOut">
               <a:rPr lang="en-US" smtClean="0"/>
-              <a:t>1/20/2020</a:t>
+              <a:t>2/1/2021</a:t>
             </a:fld>
             <a:endParaRPr lang="en-US"/>
           </a:p>
@@ -3234,7 +3232,7 @@
           <a:p>
             <a:fld id="{38B9F67C-B923-49CB-88B8-B22AAF0284AC}" type="datetimeFigureOut">
               <a:rPr lang="en-US" smtClean="0"/>
-              <a:t>1/20/2020</a:t>
+              <a:t>2/1/2021</a:t>
             </a:fld>
             <a:endParaRPr lang="en-US"/>
           </a:p>
@@ -4918,7 +4916,7 @@
           <a:p>
             <a:r>
               <a:rPr lang="en-IE" dirty="0"/>
-              <a:t>Bootstrap</a:t>
+              <a:t>CSS Frameworks</a:t>
             </a:r>
           </a:p>
           <a:p>
@@ -11300,7 +11298,11 @@
           <a:p>
             <a:r>
               <a:rPr lang="en-IE" dirty="0"/>
-              <a:t>Must be unique – no other element in the same page should have the same id</a:t>
+              <a:t>Must be unique </a:t>
+            </a:r>
+            <a:r>
+              <a:rPr lang="en-IE" b="1" dirty="0"/>
+              <a:t>– no other element in the same page should have the same id</a:t>
             </a:r>
           </a:p>
           <a:p>
@@ -11646,171 +11648,7 @@
           <a:p>
             <a:r>
               <a:rPr lang="en-IE" dirty="0"/>
-              <a:t>Aside: SASS</a:t>
-            </a:r>
-          </a:p>
-        </p:txBody>
-      </p:sp>
-      <p:sp>
-        <p:nvSpPr>
-          <p:cNvPr id="3" name="Content Placeholder 2"/>
-          <p:cNvSpPr>
-            <a:spLocks noGrp="1"/>
-          </p:cNvSpPr>
-          <p:nvPr>
-            <p:ph idx="1"/>
-          </p:nvPr>
-        </p:nvSpPr>
-        <p:spPr>
-          <a:xfrm>
-            <a:off x="457200" y="1600200"/>
-            <a:ext cx="5029200" cy="4525963"/>
-          </a:xfrm>
-        </p:spPr>
-        <p:txBody>
-          <a:bodyPr>
-            <a:normAutofit/>
-          </a:bodyPr>
-          <a:lstStyle/>
-          <a:p>
-            <a:r>
-              <a:rPr lang="en-IE" dirty="0"/>
-              <a:t>“CSS with superpowers”</a:t>
-            </a:r>
-          </a:p>
-          <a:p>
-            <a:r>
-              <a:rPr lang="en-IE" dirty="0"/>
-              <a:t>CSS extension language</a:t>
-            </a:r>
-          </a:p>
-          <a:p>
-            <a:pPr lvl="1"/>
-            <a:r>
-              <a:rPr lang="en-IE" dirty="0"/>
-              <a:t>Gives you variables, nested rules, </a:t>
-            </a:r>
-            <a:r>
-              <a:rPr lang="en-IE" dirty="0" err="1"/>
-              <a:t>mixins</a:t>
-            </a:r>
-            <a:r>
-              <a:rPr lang="en-IE" dirty="0"/>
-              <a:t>,…</a:t>
-            </a:r>
-          </a:p>
-          <a:p>
-            <a:pPr lvl="1"/>
-            <a:r>
-              <a:rPr lang="en-IE" dirty="0"/>
-              <a:t>Interpreted to CSS </a:t>
-            </a:r>
-          </a:p>
-          <a:p>
-            <a:r>
-              <a:rPr lang="en-IE" dirty="0"/>
-              <a:t>For more info see: </a:t>
-            </a:r>
-            <a:r>
-              <a:rPr lang="en-IE" dirty="0">
-                <a:hlinkClick r:id="rId2"/>
-              </a:rPr>
-              <a:t>https://sass-lang.com/</a:t>
-            </a:r>
-            <a:endParaRPr lang="en-IE" dirty="0"/>
-          </a:p>
-          <a:p>
-            <a:pPr marL="0" indent="0">
-              <a:buNone/>
-            </a:pPr>
-            <a:endParaRPr lang="en-IE" dirty="0"/>
-          </a:p>
-          <a:p>
-            <a:endParaRPr lang="en-IE" dirty="0"/>
-          </a:p>
-          <a:p>
-            <a:endParaRPr lang="en-IE" dirty="0"/>
-          </a:p>
-        </p:txBody>
-      </p:sp>
-      <p:pic>
-        <p:nvPicPr>
-          <p:cNvPr id="6" name="Graphic 5"/>
-          <p:cNvPicPr>
-            <a:picLocks noChangeAspect="1"/>
-          </p:cNvPicPr>
-          <p:nvPr/>
-        </p:nvPicPr>
-        <p:blipFill>
-          <a:blip r:embed="rId3">
-            <a:extLst>
-              <a:ext uri="{96DAC541-7B7A-43D3-8B79-37D633B846F1}">
-                <asvg:svgBlip xmlns:asvg="http://schemas.microsoft.com/office/drawing/2016/SVG/main" r:embed="rId4"/>
-              </a:ext>
-            </a:extLst>
-          </a:blip>
-          <a:stretch>
-            <a:fillRect/>
-          </a:stretch>
-        </p:blipFill>
-        <p:spPr>
-          <a:xfrm>
-            <a:off x="5333999" y="1600992"/>
-            <a:ext cx="3554943" cy="2666207"/>
-          </a:xfrm>
-          <a:prstGeom prst="rect">
-            <a:avLst/>
-          </a:prstGeom>
-        </p:spPr>
-      </p:pic>
-    </p:spTree>
-    <p:extLst>
-      <p:ext uri="{BB962C8B-B14F-4D97-AF65-F5344CB8AC3E}">
-        <p14:creationId xmlns:p14="http://schemas.microsoft.com/office/powerpoint/2010/main" val="3450328596"/>
-      </p:ext>
-    </p:extLst>
-  </p:cSld>
-  <p:clrMapOvr>
-    <a:masterClrMapping/>
-  </p:clrMapOvr>
-</p:sld>
-</file>
-
-<file path=ppt/slides/slide54.xml><?xml version="1.0" encoding="utf-8"?>
-<p:sld xmlns:a="http://schemas.openxmlformats.org/drawingml/2006/main" xmlns:r="http://schemas.openxmlformats.org/officeDocument/2006/relationships" xmlns:p="http://schemas.openxmlformats.org/presentationml/2006/main">
-  <p:cSld>
-    <p:spTree>
-      <p:nvGrpSpPr>
-        <p:cNvPr id="1" name=""/>
-        <p:cNvGrpSpPr/>
-        <p:nvPr/>
-      </p:nvGrpSpPr>
-      <p:grpSpPr>
-        <a:xfrm>
-          <a:off x="0" y="0"/>
-          <a:ext cx="0" cy="0"/>
-          <a:chOff x="0" y="0"/>
-          <a:chExt cx="0" cy="0"/>
-        </a:xfrm>
-      </p:grpSpPr>
-      <p:sp>
-        <p:nvSpPr>
-          <p:cNvPr id="2" name="Title 1"/>
-          <p:cNvSpPr>
-            <a:spLocks noGrp="1"/>
-          </p:cNvSpPr>
-          <p:nvPr>
-            <p:ph type="title"/>
-          </p:nvPr>
-        </p:nvSpPr>
-        <p:spPr/>
-        <p:txBody>
-          <a:bodyPr/>
-          <a:lstStyle/>
-          <a:p>
-            <a:r>
-              <a:rPr lang="en-IE" dirty="0"/>
-              <a:t>Bootstrap</a:t>
+              <a:t>CSS Frameworks</a:t>
             </a:r>
             <a:endParaRPr lang="en-US" dirty="0"/>
           </a:p>
@@ -11889,6 +11727,108 @@
 </p:sld>
 </file>
 
+<file path=ppt/slides/slide54.xml><?xml version="1.0" encoding="utf-8"?>
+<p:sld xmlns:a="http://schemas.openxmlformats.org/drawingml/2006/main" xmlns:r="http://schemas.openxmlformats.org/officeDocument/2006/relationships" xmlns:p="http://schemas.openxmlformats.org/presentationml/2006/main">
+  <p:cSld>
+    <p:spTree>
+      <p:nvGrpSpPr>
+        <p:cNvPr id="1" name=""/>
+        <p:cNvGrpSpPr/>
+        <p:nvPr/>
+      </p:nvGrpSpPr>
+      <p:grpSpPr>
+        <a:xfrm>
+          <a:off x="0" y="0"/>
+          <a:ext cx="0" cy="0"/>
+          <a:chOff x="0" y="0"/>
+          <a:chExt cx="0" cy="0"/>
+        </a:xfrm>
+      </p:grpSpPr>
+      <p:sp>
+        <p:nvSpPr>
+          <p:cNvPr id="2" name="Title 1"/>
+          <p:cNvSpPr>
+            <a:spLocks noGrp="1"/>
+          </p:cNvSpPr>
+          <p:nvPr>
+            <p:ph type="title"/>
+          </p:nvPr>
+        </p:nvSpPr>
+        <p:spPr/>
+        <p:txBody>
+          <a:bodyPr/>
+          <a:lstStyle/>
+          <a:p>
+            <a:r>
+              <a:rPr lang="en-IE" dirty="0"/>
+              <a:t>What’s a CSS Framework</a:t>
+            </a:r>
+            <a:endParaRPr lang="en-US" dirty="0"/>
+          </a:p>
+        </p:txBody>
+      </p:sp>
+      <p:sp>
+        <p:nvSpPr>
+          <p:cNvPr id="3" name="Content Placeholder 2"/>
+          <p:cNvSpPr>
+            <a:spLocks noGrp="1"/>
+          </p:cNvSpPr>
+          <p:nvPr>
+            <p:ph idx="1"/>
+          </p:nvPr>
+        </p:nvSpPr>
+        <p:spPr/>
+        <p:txBody>
+          <a:bodyPr/>
+          <a:lstStyle/>
+          <a:p>
+            <a:r>
+              <a:rPr lang="en-GB" dirty="0"/>
+              <a:t>Easier, more standards-compliant web design </a:t>
+            </a:r>
+            <a:r>
+              <a:rPr lang="en-US" dirty="0"/>
+              <a:t> for creating web applications.</a:t>
+            </a:r>
+          </a:p>
+          <a:p>
+            <a:r>
+              <a:rPr lang="en-US" dirty="0"/>
+              <a:t>Usually contains HTML and CSS-based design templates for styling text, forms, buttons, navigation.</a:t>
+            </a:r>
+          </a:p>
+          <a:p>
+            <a:r>
+              <a:rPr lang="en-US" dirty="0"/>
+              <a:t>Also has optional JavaScript extensions.</a:t>
+            </a:r>
+          </a:p>
+          <a:p>
+            <a:r>
+              <a:rPr lang="en-GB" dirty="0"/>
+              <a:t>Most of these frameworks contain at least a </a:t>
+            </a:r>
+            <a:r>
+              <a:rPr lang="en-GB" b="1" dirty="0"/>
+              <a:t>grid.</a:t>
+            </a:r>
+            <a:endParaRPr lang="en-US" b="1" dirty="0"/>
+          </a:p>
+        </p:txBody>
+      </p:sp>
+    </p:spTree>
+    <p:extLst>
+      <p:ext uri="{BB962C8B-B14F-4D97-AF65-F5344CB8AC3E}">
+        <p14:creationId xmlns:p14="http://schemas.microsoft.com/office/powerpoint/2010/main" val="1424651882"/>
+      </p:ext>
+    </p:extLst>
+  </p:cSld>
+  <p:clrMapOvr>
+    <a:masterClrMapping/>
+  </p:clrMapOvr>
+</p:sld>
+</file>
+
 <file path=ppt/slides/slide55.xml><?xml version="1.0" encoding="utf-8"?>
 <p:sld xmlns:a="http://schemas.openxmlformats.org/drawingml/2006/main" xmlns:r="http://schemas.openxmlformats.org/officeDocument/2006/relationships" xmlns:p="http://schemas.openxmlformats.org/presentationml/2006/main">
   <p:cSld>
@@ -11922,242 +11862,8 @@
           <a:lstStyle/>
           <a:p>
             <a:r>
-              <a:rPr lang="en-IE" dirty="0"/>
-              <a:t>What’s Bootstrap</a:t>
-            </a:r>
-            <a:endParaRPr lang="en-US" dirty="0"/>
-          </a:p>
-        </p:txBody>
-      </p:sp>
-      <p:sp>
-        <p:nvSpPr>
-          <p:cNvPr id="3" name="Content Placeholder 2"/>
-          <p:cNvSpPr>
-            <a:spLocks noGrp="1"/>
-          </p:cNvSpPr>
-          <p:nvPr>
-            <p:ph idx="1"/>
-          </p:nvPr>
-        </p:nvSpPr>
-        <p:spPr/>
-        <p:txBody>
-          <a:bodyPr/>
-          <a:lstStyle/>
-          <a:p>
-            <a:r>
               <a:rPr lang="en-US" dirty="0"/>
-              <a:t>Bootstrap is a free framework for creating web applications.</a:t>
-            </a:r>
-          </a:p>
-          <a:p>
-            <a:r>
-              <a:rPr lang="en-US" dirty="0"/>
-              <a:t>It contains HTML and CSS-based design templates for styling text, forms, buttons, navigation </a:t>
-            </a:r>
-          </a:p>
-          <a:p>
-            <a:r>
-              <a:rPr lang="en-US" dirty="0"/>
-              <a:t>Also has optional JavaScript extensions.</a:t>
-            </a:r>
-          </a:p>
-        </p:txBody>
-      </p:sp>
-    </p:spTree>
-    <p:extLst>
-      <p:ext uri="{BB962C8B-B14F-4D97-AF65-F5344CB8AC3E}">
-        <p14:creationId xmlns:p14="http://schemas.microsoft.com/office/powerpoint/2010/main" val="1424651882"/>
-      </p:ext>
-    </p:extLst>
-  </p:cSld>
-  <p:clrMapOvr>
-    <a:masterClrMapping/>
-  </p:clrMapOvr>
-</p:sld>
-</file>
-
-<file path=ppt/slides/slide56.xml><?xml version="1.0" encoding="utf-8"?>
-<p:sld xmlns:a="http://schemas.openxmlformats.org/drawingml/2006/main" xmlns:r="http://schemas.openxmlformats.org/officeDocument/2006/relationships" xmlns:p="http://schemas.openxmlformats.org/presentationml/2006/main">
-  <p:cSld>
-    <p:spTree>
-      <p:nvGrpSpPr>
-        <p:cNvPr id="1" name=""/>
-        <p:cNvGrpSpPr/>
-        <p:nvPr/>
-      </p:nvGrpSpPr>
-      <p:grpSpPr>
-        <a:xfrm>
-          <a:off x="0" y="0"/>
-          <a:ext cx="0" cy="0"/>
-          <a:chOff x="0" y="0"/>
-          <a:chExt cx="0" cy="0"/>
-        </a:xfrm>
-      </p:grpSpPr>
-      <p:sp>
-        <p:nvSpPr>
-          <p:cNvPr id="2" name="Title 1"/>
-          <p:cNvSpPr>
-            <a:spLocks noGrp="1"/>
-          </p:cNvSpPr>
-          <p:nvPr>
-            <p:ph type="title"/>
-          </p:nvPr>
-        </p:nvSpPr>
-        <p:spPr/>
-        <p:txBody>
-          <a:bodyPr/>
-          <a:lstStyle/>
-          <a:p>
-            <a:r>
-              <a:rPr lang="en-IE" dirty="0"/>
-              <a:t>Why Bootstrap</a:t>
-            </a:r>
-            <a:endParaRPr lang="en-US" dirty="0"/>
-          </a:p>
-        </p:txBody>
-      </p:sp>
-      <p:sp>
-        <p:nvSpPr>
-          <p:cNvPr id="3" name="Content Placeholder 2"/>
-          <p:cNvSpPr>
-            <a:spLocks noGrp="1"/>
-          </p:cNvSpPr>
-          <p:nvPr>
-            <p:ph idx="1"/>
-          </p:nvPr>
-        </p:nvSpPr>
-        <p:spPr>
-          <a:xfrm>
-            <a:off x="457200" y="1600200"/>
-            <a:ext cx="8229600" cy="5257800"/>
-          </a:xfrm>
-        </p:spPr>
-        <p:txBody>
-          <a:bodyPr>
-            <a:normAutofit fontScale="85000" lnSpcReduction="20000"/>
-          </a:bodyPr>
-          <a:lstStyle/>
-          <a:p>
-            <a:pPr lvl="0" fontAlgn="ctr"/>
-            <a:r>
-              <a:rPr lang="en-US" dirty="0"/>
-              <a:t>CSS is can be tricky</a:t>
-            </a:r>
-          </a:p>
-          <a:p>
-            <a:pPr lvl="1" fontAlgn="ctr"/>
-            <a:r>
-              <a:rPr lang="en-US" dirty="0"/>
-              <a:t>Cross browser/device support can be a challenge (Chrome, Firefox, Internet Explorer, Safari, and Opera)</a:t>
-            </a:r>
-          </a:p>
-          <a:p>
-            <a:pPr fontAlgn="ctr"/>
-            <a:r>
-              <a:rPr lang="en-IE" dirty="0"/>
-              <a:t>“One framework, every device”.</a:t>
-            </a:r>
-            <a:endParaRPr lang="en-US" dirty="0"/>
-          </a:p>
-          <a:p>
-            <a:pPr lvl="0" fontAlgn="ctr"/>
-            <a:r>
-              <a:rPr lang="en-IE" dirty="0"/>
-              <a:t>Can Theme a page</a:t>
-            </a:r>
-          </a:p>
-          <a:p>
-            <a:pPr lvl="0" fontAlgn="ctr"/>
-            <a:r>
-              <a:rPr lang="en-US" dirty="0"/>
-              <a:t>Easy to use</a:t>
-            </a:r>
-          </a:p>
-          <a:p>
-            <a:pPr lvl="1" fontAlgn="ctr"/>
-            <a:r>
-              <a:rPr lang="en-US" dirty="0"/>
-              <a:t>Anybody with just basic knowledge of HTML and CSS can start using Bootstrap</a:t>
-            </a:r>
-          </a:p>
-          <a:p>
-            <a:pPr lvl="0" fontAlgn="ctr"/>
-            <a:r>
-              <a:rPr lang="en-US" dirty="0"/>
-              <a:t>Responsive features</a:t>
-            </a:r>
-          </a:p>
-          <a:p>
-            <a:pPr lvl="1" fontAlgn="ctr"/>
-            <a:r>
-              <a:rPr lang="en-US" dirty="0"/>
-              <a:t>Bootstrap's responsive CSS adjusts to phones, tablets, and desktops</a:t>
-            </a:r>
-          </a:p>
-          <a:p>
-            <a:pPr lvl="0" fontAlgn="ctr"/>
-            <a:r>
-              <a:rPr lang="en-US" dirty="0"/>
-              <a:t>Mobile-first approach</a:t>
-            </a:r>
-          </a:p>
-          <a:p>
-            <a:pPr lvl="1" fontAlgn="ctr"/>
-            <a:r>
-              <a:rPr lang="en-US" dirty="0"/>
-              <a:t>In Bootstrap 3, mobile-first styles are part of the core framework</a:t>
-            </a:r>
-          </a:p>
-        </p:txBody>
-      </p:sp>
-    </p:spTree>
-    <p:extLst>
-      <p:ext uri="{BB962C8B-B14F-4D97-AF65-F5344CB8AC3E}">
-        <p14:creationId xmlns:p14="http://schemas.microsoft.com/office/powerpoint/2010/main" val="1006976640"/>
-      </p:ext>
-    </p:extLst>
-  </p:cSld>
-  <p:clrMapOvr>
-    <a:masterClrMapping/>
-  </p:clrMapOvr>
-</p:sld>
-</file>
-
-<file path=ppt/slides/slide57.xml><?xml version="1.0" encoding="utf-8"?>
-<p:sld xmlns:a="http://schemas.openxmlformats.org/drawingml/2006/main" xmlns:r="http://schemas.openxmlformats.org/officeDocument/2006/relationships" xmlns:p="http://schemas.openxmlformats.org/presentationml/2006/main">
-  <p:cSld>
-    <p:spTree>
-      <p:nvGrpSpPr>
-        <p:cNvPr id="1" name=""/>
-        <p:cNvGrpSpPr/>
-        <p:nvPr/>
-      </p:nvGrpSpPr>
-      <p:grpSpPr>
-        <a:xfrm>
-          <a:off x="0" y="0"/>
-          <a:ext cx="0" cy="0"/>
-          <a:chOff x="0" y="0"/>
-          <a:chExt cx="0" cy="0"/>
-        </a:xfrm>
-      </p:grpSpPr>
-      <p:sp>
-        <p:nvSpPr>
-          <p:cNvPr id="2" name="Title 1"/>
-          <p:cNvSpPr>
-            <a:spLocks noGrp="1"/>
-          </p:cNvSpPr>
-          <p:nvPr>
-            <p:ph type="title"/>
-          </p:nvPr>
-        </p:nvSpPr>
-        <p:spPr/>
-        <p:txBody>
-          <a:bodyPr/>
-          <a:lstStyle/>
-          <a:p>
-            <a:r>
-              <a:rPr lang="en-US" dirty="0"/>
-              <a:t>Bootstrap from a  CDN</a:t>
+              <a:t>Bootstrap</a:t>
             </a:r>
           </a:p>
         </p:txBody>
@@ -12710,7 +12416,7 @@
 </p:sld>
 </file>
 
-<file path=ppt/slides/slide58.xml><?xml version="1.0" encoding="utf-8"?>
+<file path=ppt/slides/slide56.xml><?xml version="1.0" encoding="utf-8"?>
 <p:sld xmlns:a="http://schemas.openxmlformats.org/drawingml/2006/main" xmlns:r="http://schemas.openxmlformats.org/officeDocument/2006/relationships" xmlns:p="http://schemas.openxmlformats.org/presentationml/2006/main">
   <p:cSld>
     <p:spTree>
@@ -12922,7 +12628,15 @@
             <a:pPr algn="ctr"/>
             <a:r>
               <a:rPr lang="en-US" dirty="0"/>
-              <a:t>The width=device-width sets the width of the page to follow the screen-width of the device (which will vary depending on the device).</a:t>
+              <a:t>The </a:t>
+            </a:r>
+            <a:r>
+              <a:rPr lang="en-US" b="1" dirty="0"/>
+              <a:t>width=device-width </a:t>
+            </a:r>
+            <a:r>
+              <a:rPr lang="en-US" dirty="0"/>
+              <a:t>sets the width of the page to follow the screen-width of the device (which will vary depending on the device).</a:t>
             </a:r>
           </a:p>
         </p:txBody>
@@ -12970,7 +12684,15 @@
             <a:pPr algn="ctr"/>
             <a:r>
               <a:rPr lang="en-US" dirty="0"/>
-              <a:t>The initial-scale=1 part sets the initial zoom level when the page is first loaded by the browser.</a:t>
+              <a:t>The </a:t>
+            </a:r>
+            <a:r>
+              <a:rPr lang="en-US" b="1" dirty="0"/>
+              <a:t>initial-scale=1</a:t>
+            </a:r>
+            <a:r>
+              <a:rPr lang="en-US" dirty="0"/>
+              <a:t> part sets the initial zoom level when the page is first loaded by the browser.</a:t>
             </a:r>
           </a:p>
         </p:txBody>
@@ -12988,7 +12710,7 @@
 </p:sld>
 </file>
 
-<file path=ppt/slides/slide59.xml><?xml version="1.0" encoding="utf-8"?>
+<file path=ppt/slides/slide57.xml><?xml version="1.0" encoding="utf-8"?>
 <p:sld xmlns:a="http://schemas.openxmlformats.org/drawingml/2006/main" xmlns:r="http://schemas.openxmlformats.org/officeDocument/2006/relationships" xmlns:p="http://schemas.openxmlformats.org/presentationml/2006/main">
   <p:cSld>
     <p:spTree>
@@ -13354,7 +13076,7 @@
 </p:sld>
 </file>
 
-<file path=ppt/slides/slide6.xml><?xml version="1.0" encoding="utf-8"?>
+<file path=ppt/slides/slide58.xml><?xml version="1.0" encoding="utf-8"?>
 <p:sld xmlns:a="http://schemas.openxmlformats.org/drawingml/2006/main" xmlns:r="http://schemas.openxmlformats.org/officeDocument/2006/relationships" xmlns:p="http://schemas.openxmlformats.org/presentationml/2006/main">
   <p:cSld>
     <p:spTree>
@@ -13373,130 +13095,6 @@
       </p:grpSpPr>
       <p:sp>
         <p:nvSpPr>
-          <p:cNvPr id="2" name="Title 1"/>
-          <p:cNvSpPr>
-            <a:spLocks noGrp="1"/>
-          </p:cNvSpPr>
-          <p:nvPr>
-            <p:ph type="title"/>
-          </p:nvPr>
-        </p:nvSpPr>
-        <p:spPr/>
-        <p:txBody>
-          <a:bodyPr/>
-          <a:lstStyle/>
-          <a:p>
-            <a:r>
-              <a:rPr lang="en-IE" dirty="0"/>
-              <a:t>HTML Fundamentals: The Web</a:t>
-            </a:r>
-            <a:endParaRPr lang="en-US" dirty="0"/>
-          </a:p>
-        </p:txBody>
-      </p:sp>
-      <p:sp>
-        <p:nvSpPr>
-          <p:cNvPr id="3" name="Content Placeholder 2"/>
-          <p:cNvSpPr>
-            <a:spLocks noGrp="1"/>
-          </p:cNvSpPr>
-          <p:nvPr>
-            <p:ph idx="1"/>
-          </p:nvPr>
-        </p:nvSpPr>
-        <p:spPr/>
-        <p:txBody>
-          <a:bodyPr>
-            <a:normAutofit fontScale="92500" lnSpcReduction="20000"/>
-          </a:bodyPr>
-          <a:lstStyle/>
-          <a:p>
-            <a:r>
-              <a:rPr lang="en-US" dirty="0"/>
-              <a:t>Protocols &amp; Standards</a:t>
-            </a:r>
-          </a:p>
-          <a:p>
-            <a:pPr lvl="1"/>
-            <a:r>
-              <a:rPr lang="en-US" dirty="0"/>
-              <a:t>Protocol : agreed vocabulary to enable to programs to communicate</a:t>
-            </a:r>
-          </a:p>
-          <a:p>
-            <a:pPr lvl="1"/>
-            <a:r>
-              <a:rPr lang="en-US" dirty="0"/>
-              <a:t>Standard: an agreed definition of the structure and meaning of a document</a:t>
-            </a:r>
-          </a:p>
-          <a:p>
-            <a:r>
-              <a:rPr lang="en-US" dirty="0"/>
-              <a:t>Web Protocol</a:t>
-            </a:r>
-          </a:p>
-          <a:p>
-            <a:pPr lvl="1"/>
-            <a:r>
-              <a:rPr lang="en-US" dirty="0"/>
-              <a:t>Hyper Text Transfer Protocol - HTTP</a:t>
-            </a:r>
-          </a:p>
-          <a:p>
-            <a:r>
-              <a:rPr lang="en-US" dirty="0"/>
-              <a:t>Web Standard</a:t>
-            </a:r>
-          </a:p>
-          <a:p>
-            <a:pPr lvl="1"/>
-            <a:r>
-              <a:rPr lang="en-US" dirty="0"/>
-              <a:t>Hyper Text Markup Language - HTML</a:t>
-            </a:r>
-          </a:p>
-          <a:p>
-            <a:pPr lvl="1"/>
-            <a:r>
-              <a:rPr lang="en-US" dirty="0"/>
-              <a:t>Web Servers and Web Browsers use HTTP to exchange HTML documents</a:t>
-            </a:r>
-          </a:p>
-        </p:txBody>
-      </p:sp>
-    </p:spTree>
-    <p:extLst>
-      <p:ext uri="{BB962C8B-B14F-4D97-AF65-F5344CB8AC3E}">
-        <p14:creationId xmlns:p14="http://schemas.microsoft.com/office/powerpoint/2010/main" val="3854745249"/>
-      </p:ext>
-    </p:extLst>
-  </p:cSld>
-  <p:clrMapOvr>
-    <a:masterClrMapping/>
-  </p:clrMapOvr>
-</p:sld>
-</file>
-
-<file path=ppt/slides/slide60.xml><?xml version="1.0" encoding="utf-8"?>
-<p:sld xmlns:a="http://schemas.openxmlformats.org/drawingml/2006/main" xmlns:r="http://schemas.openxmlformats.org/officeDocument/2006/relationships" xmlns:p="http://schemas.openxmlformats.org/presentationml/2006/main">
-  <p:cSld>
-    <p:spTree>
-      <p:nvGrpSpPr>
-        <p:cNvPr id="1" name=""/>
-        <p:cNvGrpSpPr/>
-        <p:nvPr/>
-      </p:nvGrpSpPr>
-      <p:grpSpPr>
-        <a:xfrm>
-          <a:off x="0" y="0"/>
-          <a:ext cx="0" cy="0"/>
-          <a:chOff x="0" y="0"/>
-          <a:chExt cx="0" cy="0"/>
-        </a:xfrm>
-      </p:grpSpPr>
-      <p:sp>
-        <p:nvSpPr>
           <p:cNvPr id="2" name="Title 1">
             <a:extLst>
               <a:ext uri="{FF2B5EF4-FFF2-40B4-BE49-F238E27FC236}">
@@ -13619,7 +13217,7 @@
 </p:sld>
 </file>
 
-<file path=ppt/slides/slide61.xml><?xml version="1.0" encoding="utf-8"?>
+<file path=ppt/slides/slide59.xml><?xml version="1.0" encoding="utf-8"?>
 <p:sld xmlns:a="http://schemas.openxmlformats.org/drawingml/2006/main" xmlns:r="http://schemas.openxmlformats.org/officeDocument/2006/relationships" xmlns:p="http://schemas.openxmlformats.org/presentationml/2006/main">
   <p:cSld>
     <p:spTree>
@@ -13724,7 +13322,131 @@
 </p:sld>
 </file>
 
-<file path=ppt/slides/slide62.xml><?xml version="1.0" encoding="utf-8"?>
+<file path=ppt/slides/slide6.xml><?xml version="1.0" encoding="utf-8"?>
+<p:sld xmlns:a="http://schemas.openxmlformats.org/drawingml/2006/main" xmlns:r="http://schemas.openxmlformats.org/officeDocument/2006/relationships" xmlns:p="http://schemas.openxmlformats.org/presentationml/2006/main">
+  <p:cSld>
+    <p:spTree>
+      <p:nvGrpSpPr>
+        <p:cNvPr id="1" name=""/>
+        <p:cNvGrpSpPr/>
+        <p:nvPr/>
+      </p:nvGrpSpPr>
+      <p:grpSpPr>
+        <a:xfrm>
+          <a:off x="0" y="0"/>
+          <a:ext cx="0" cy="0"/>
+          <a:chOff x="0" y="0"/>
+          <a:chExt cx="0" cy="0"/>
+        </a:xfrm>
+      </p:grpSpPr>
+      <p:sp>
+        <p:nvSpPr>
+          <p:cNvPr id="2" name="Title 1"/>
+          <p:cNvSpPr>
+            <a:spLocks noGrp="1"/>
+          </p:cNvSpPr>
+          <p:nvPr>
+            <p:ph type="title"/>
+          </p:nvPr>
+        </p:nvSpPr>
+        <p:spPr/>
+        <p:txBody>
+          <a:bodyPr/>
+          <a:lstStyle/>
+          <a:p>
+            <a:r>
+              <a:rPr lang="en-IE" dirty="0"/>
+              <a:t>HTML Fundamentals: The Web</a:t>
+            </a:r>
+            <a:endParaRPr lang="en-US" dirty="0"/>
+          </a:p>
+        </p:txBody>
+      </p:sp>
+      <p:sp>
+        <p:nvSpPr>
+          <p:cNvPr id="3" name="Content Placeholder 2"/>
+          <p:cNvSpPr>
+            <a:spLocks noGrp="1"/>
+          </p:cNvSpPr>
+          <p:nvPr>
+            <p:ph idx="1"/>
+          </p:nvPr>
+        </p:nvSpPr>
+        <p:spPr/>
+        <p:txBody>
+          <a:bodyPr>
+            <a:normAutofit fontScale="92500" lnSpcReduction="20000"/>
+          </a:bodyPr>
+          <a:lstStyle/>
+          <a:p>
+            <a:r>
+              <a:rPr lang="en-US" dirty="0"/>
+              <a:t>Protocols &amp; Standards</a:t>
+            </a:r>
+          </a:p>
+          <a:p>
+            <a:pPr lvl="1"/>
+            <a:r>
+              <a:rPr lang="en-US" dirty="0"/>
+              <a:t>Protocol : agreed vocabulary to enable to programs to communicate</a:t>
+            </a:r>
+          </a:p>
+          <a:p>
+            <a:pPr lvl="1"/>
+            <a:r>
+              <a:rPr lang="en-US" dirty="0"/>
+              <a:t>Standard: an agreed definition of the structure and meaning of a document</a:t>
+            </a:r>
+          </a:p>
+          <a:p>
+            <a:r>
+              <a:rPr lang="en-US" dirty="0"/>
+              <a:t>Web Protocol</a:t>
+            </a:r>
+          </a:p>
+          <a:p>
+            <a:pPr lvl="1"/>
+            <a:r>
+              <a:rPr lang="en-US" dirty="0"/>
+              <a:t>Hyper Text Transfer Protocol - HTTP</a:t>
+            </a:r>
+          </a:p>
+          <a:p>
+            <a:r>
+              <a:rPr lang="en-US" dirty="0"/>
+              <a:t>Web Standard</a:t>
+            </a:r>
+          </a:p>
+          <a:p>
+            <a:pPr lvl="1"/>
+            <a:r>
+              <a:rPr lang="en-US" dirty="0"/>
+              <a:t>Hyper Text Markup Language - HTML</a:t>
+            </a:r>
+          </a:p>
+          <a:p>
+            <a:pPr lvl="1"/>
+            <a:r>
+              <a:rPr lang="en-US" dirty="0"/>
+              <a:t>Web Servers and Web Browsers use HTTP to exchange HTML documents</a:t>
+            </a:r>
+          </a:p>
+        </p:txBody>
+      </p:sp>
+    </p:spTree>
+    <p:extLst>
+      <p:ext uri="{BB962C8B-B14F-4D97-AF65-F5344CB8AC3E}">
+        <p14:creationId xmlns:p14="http://schemas.microsoft.com/office/powerpoint/2010/main" val="3854745249"/>
+      </p:ext>
+    </p:extLst>
+  </p:cSld>
+  <p:clrMapOvr>
+    <a:masterClrMapping/>
+  </p:clrMapOvr>
+</p:sld>
+</file>
+
+<file path=ppt/slides/slide60.xml><?xml version="1.0" encoding="utf-8"?>
 <p:sld xmlns:a="http://schemas.openxmlformats.org/drawingml/2006/main" xmlns:r="http://schemas.openxmlformats.org/officeDocument/2006/relationships" xmlns:p="http://schemas.openxmlformats.org/presentationml/2006/main">
   <p:cSld>
     <p:bg>
@@ -13930,7 +13652,7 @@
 </p:sld>
 </file>
 
-<file path=ppt/slides/slide63.xml><?xml version="1.0" encoding="utf-8"?>
+<file path=ppt/slides/slide61.xml><?xml version="1.0" encoding="utf-8"?>
 <p:sld xmlns:a="http://schemas.openxmlformats.org/drawingml/2006/main" xmlns:r="http://schemas.openxmlformats.org/officeDocument/2006/relationships" xmlns:p="http://schemas.openxmlformats.org/presentationml/2006/main">
   <p:cSld>
     <p:spTree>
@@ -14048,7 +13770,7 @@
 </p:sld>
 </file>
 
-<file path=ppt/slides/slide64.xml><?xml version="1.0" encoding="utf-8"?>
+<file path=ppt/slides/slide62.xml><?xml version="1.0" encoding="utf-8"?>
 <p:sld xmlns:a="http://schemas.openxmlformats.org/drawingml/2006/main" xmlns:r="http://schemas.openxmlformats.org/officeDocument/2006/relationships" xmlns:p="http://schemas.openxmlformats.org/presentationml/2006/main">
   <p:cSld>
     <p:spTree>
